--- a/plots/plots_heirarchical.pptx
+++ b/plots/plots_heirarchical.pptx
@@ -6,12 +6,13 @@
   </p:sldMasterIdLst>
   <p:sldIdLst>
     <p:sldId id="256" r:id="rId2"/>
-    <p:sldId id="262" r:id="rId3"/>
-    <p:sldId id="259" r:id="rId4"/>
-    <p:sldId id="263" r:id="rId5"/>
-    <p:sldId id="260" r:id="rId6"/>
-    <p:sldId id="261" r:id="rId7"/>
-    <p:sldId id="258" r:id="rId8"/>
+    <p:sldId id="264" r:id="rId3"/>
+    <p:sldId id="262" r:id="rId4"/>
+    <p:sldId id="259" r:id="rId5"/>
+    <p:sldId id="263" r:id="rId6"/>
+    <p:sldId id="260" r:id="rId7"/>
+    <p:sldId id="261" r:id="rId8"/>
+    <p:sldId id="258" r:id="rId9"/>
   </p:sldIdLst>
   <p:sldSz cx="12192000" cy="6858000"/>
   <p:notesSz cx="6858000" cy="9144000"/>
@@ -267,7 +268,7 @@
           <a:p>
             <a:fld id="{BC186EB4-8A21-1F44-B51B-5642D19C9957}" type="datetimeFigureOut">
               <a:rPr lang="en-US" smtClean="0"/>
-              <a:t>5/13/23</a:t>
+              <a:t>5/15/23</a:t>
             </a:fld>
             <a:endParaRPr lang="en-US"/>
           </a:p>
@@ -467,7 +468,7 @@
           <a:p>
             <a:fld id="{BC186EB4-8A21-1F44-B51B-5642D19C9957}" type="datetimeFigureOut">
               <a:rPr lang="en-US" smtClean="0"/>
-              <a:t>5/13/23</a:t>
+              <a:t>5/15/23</a:t>
             </a:fld>
             <a:endParaRPr lang="en-US"/>
           </a:p>
@@ -677,7 +678,7 @@
           <a:p>
             <a:fld id="{BC186EB4-8A21-1F44-B51B-5642D19C9957}" type="datetimeFigureOut">
               <a:rPr lang="en-US" smtClean="0"/>
-              <a:t>5/13/23</a:t>
+              <a:t>5/15/23</a:t>
             </a:fld>
             <a:endParaRPr lang="en-US"/>
           </a:p>
@@ -877,7 +878,7 @@
           <a:p>
             <a:fld id="{BC186EB4-8A21-1F44-B51B-5642D19C9957}" type="datetimeFigureOut">
               <a:rPr lang="en-US" smtClean="0"/>
-              <a:t>5/13/23</a:t>
+              <a:t>5/15/23</a:t>
             </a:fld>
             <a:endParaRPr lang="en-US"/>
           </a:p>
@@ -1153,7 +1154,7 @@
           <a:p>
             <a:fld id="{BC186EB4-8A21-1F44-B51B-5642D19C9957}" type="datetimeFigureOut">
               <a:rPr lang="en-US" smtClean="0"/>
-              <a:t>5/13/23</a:t>
+              <a:t>5/15/23</a:t>
             </a:fld>
             <a:endParaRPr lang="en-US"/>
           </a:p>
@@ -1421,7 +1422,7 @@
           <a:p>
             <a:fld id="{BC186EB4-8A21-1F44-B51B-5642D19C9957}" type="datetimeFigureOut">
               <a:rPr lang="en-US" smtClean="0"/>
-              <a:t>5/13/23</a:t>
+              <a:t>5/15/23</a:t>
             </a:fld>
             <a:endParaRPr lang="en-US"/>
           </a:p>
@@ -1836,7 +1837,7 @@
           <a:p>
             <a:fld id="{BC186EB4-8A21-1F44-B51B-5642D19C9957}" type="datetimeFigureOut">
               <a:rPr lang="en-US" smtClean="0"/>
-              <a:t>5/13/23</a:t>
+              <a:t>5/15/23</a:t>
             </a:fld>
             <a:endParaRPr lang="en-US"/>
           </a:p>
@@ -1978,7 +1979,7 @@
           <a:p>
             <a:fld id="{BC186EB4-8A21-1F44-B51B-5642D19C9957}" type="datetimeFigureOut">
               <a:rPr lang="en-US" smtClean="0"/>
-              <a:t>5/13/23</a:t>
+              <a:t>5/15/23</a:t>
             </a:fld>
             <a:endParaRPr lang="en-US"/>
           </a:p>
@@ -2091,7 +2092,7 @@
           <a:p>
             <a:fld id="{BC186EB4-8A21-1F44-B51B-5642D19C9957}" type="datetimeFigureOut">
               <a:rPr lang="en-US" smtClean="0"/>
-              <a:t>5/13/23</a:t>
+              <a:t>5/15/23</a:t>
             </a:fld>
             <a:endParaRPr lang="en-US"/>
           </a:p>
@@ -2404,7 +2405,7 @@
           <a:p>
             <a:fld id="{BC186EB4-8A21-1F44-B51B-5642D19C9957}" type="datetimeFigureOut">
               <a:rPr lang="en-US" smtClean="0"/>
-              <a:t>5/13/23</a:t>
+              <a:t>5/15/23</a:t>
             </a:fld>
             <a:endParaRPr lang="en-US"/>
           </a:p>
@@ -2693,7 +2694,7 @@
           <a:p>
             <a:fld id="{BC186EB4-8A21-1F44-B51B-5642D19C9957}" type="datetimeFigureOut">
               <a:rPr lang="en-US" smtClean="0"/>
-              <a:t>5/13/23</a:t>
+              <a:t>5/15/23</a:t>
             </a:fld>
             <a:endParaRPr lang="en-US"/>
           </a:p>
@@ -2936,7 +2937,7 @@
           <a:p>
             <a:fld id="{BC186EB4-8A21-1F44-B51B-5642D19C9957}" type="datetimeFigureOut">
               <a:rPr lang="en-US" smtClean="0"/>
-              <a:t>5/13/23</a:t>
+              <a:t>5/15/23</a:t>
             </a:fld>
             <a:endParaRPr lang="en-US"/>
           </a:p>
@@ -3461,12 +3462,47 @@
           </a:prstGeom>
         </p:spPr>
       </p:pic>
+      <p:sp>
+        <p:nvSpPr>
+          <p:cNvPr id="8" name="TextBox 7">
+            <a:extLst>
+              <a:ext uri="{FF2B5EF4-FFF2-40B4-BE49-F238E27FC236}">
+                <a16:creationId xmlns:a16="http://schemas.microsoft.com/office/drawing/2014/main" id="{970D6F89-5D63-5C61-A16D-F62A482DBC18}"/>
+              </a:ext>
+            </a:extLst>
+          </p:cNvPr>
+          <p:cNvSpPr txBox="1"/>
+          <p:nvPr/>
+        </p:nvSpPr>
+        <p:spPr>
+          <a:xfrm>
+            <a:off x="6237081" y="1167161"/>
+            <a:ext cx="4947592" cy="369332"/>
+          </a:xfrm>
+          <a:prstGeom prst="rect">
+            <a:avLst/>
+          </a:prstGeom>
+          <a:noFill/>
+        </p:spPr>
+        <p:txBody>
+          <a:bodyPr wrap="square" rtlCol="0">
+            <a:spAutoFit/>
+          </a:bodyPr>
+          <a:lstStyle/>
+          <a:p>
+            <a:r>
+              <a:rPr lang="en-US" dirty="0"/>
+              <a:t>For posterior inference</a:t>
+            </a:r>
+          </a:p>
+        </p:txBody>
+      </p:sp>
       <p:pic>
         <p:nvPicPr>
-          <p:cNvPr id="7" name="Picture 6" descr="A picture containing text, font, handwriting, calligraphy&#10;&#10;Description automatically generated">
-            <a:extLst>
-              <a:ext uri="{FF2B5EF4-FFF2-40B4-BE49-F238E27FC236}">
-                <a16:creationId xmlns:a16="http://schemas.microsoft.com/office/drawing/2014/main" id="{B7AEB6B9-CB80-F0D5-FB73-A3B90907AB7F}"/>
+          <p:cNvPr id="5" name="Picture 4" descr="A picture containing text, font, screenshot, document&#10;&#10;Description automatically generated">
+            <a:extLst>
+              <a:ext uri="{FF2B5EF4-FFF2-40B4-BE49-F238E27FC236}">
+                <a16:creationId xmlns:a16="http://schemas.microsoft.com/office/drawing/2014/main" id="{0EE2E656-82F4-8421-B8BF-68F826E7A250}"/>
               </a:ext>
             </a:extLst>
           </p:cNvPr>
@@ -3483,49 +3519,14 @@
         </p:blipFill>
         <p:spPr>
           <a:xfrm>
-            <a:off x="6248231" y="2047526"/>
-            <a:ext cx="5385599" cy="3561537"/>
+            <a:off x="6326350" y="1974849"/>
+            <a:ext cx="5492561" cy="3227771"/>
           </a:xfrm>
           <a:prstGeom prst="rect">
             <a:avLst/>
           </a:prstGeom>
         </p:spPr>
       </p:pic>
-      <p:sp>
-        <p:nvSpPr>
-          <p:cNvPr id="8" name="TextBox 7">
-            <a:extLst>
-              <a:ext uri="{FF2B5EF4-FFF2-40B4-BE49-F238E27FC236}">
-                <a16:creationId xmlns:a16="http://schemas.microsoft.com/office/drawing/2014/main" id="{970D6F89-5D63-5C61-A16D-F62A482DBC18}"/>
-              </a:ext>
-            </a:extLst>
-          </p:cNvPr>
-          <p:cNvSpPr txBox="1"/>
-          <p:nvPr/>
-        </p:nvSpPr>
-        <p:spPr>
-          <a:xfrm>
-            <a:off x="6237081" y="1167161"/>
-            <a:ext cx="4947592" cy="369332"/>
-          </a:xfrm>
-          <a:prstGeom prst="rect">
-            <a:avLst/>
-          </a:prstGeom>
-          <a:noFill/>
-        </p:spPr>
-        <p:txBody>
-          <a:bodyPr wrap="square" rtlCol="0">
-            <a:spAutoFit/>
-          </a:bodyPr>
-          <a:lstStyle/>
-          <a:p>
-            <a:r>
-              <a:rPr lang="en-US" dirty="0"/>
-              <a:t>For Gibbs sampler: Sample posterior as below</a:t>
-            </a:r>
-          </a:p>
-        </p:txBody>
-      </p:sp>
     </p:spTree>
     <p:extLst>
       <p:ext uri="{BB962C8B-B14F-4D97-AF65-F5344CB8AC3E}">
@@ -3574,6 +3575,134 @@
         </p:nvSpPr>
         <p:spPr>
           <a:xfrm>
+            <a:off x="877230" y="568907"/>
+            <a:ext cx="9144000" cy="457005"/>
+          </a:xfrm>
+        </p:spPr>
+        <p:txBody>
+          <a:bodyPr/>
+          <a:lstStyle/>
+          <a:p>
+            <a:r>
+              <a:rPr lang="en-US" dirty="0"/>
+              <a:t>The Model</a:t>
+            </a:r>
+          </a:p>
+        </p:txBody>
+      </p:sp>
+      <p:pic>
+        <p:nvPicPr>
+          <p:cNvPr id="7" name="Picture 6" descr="A picture containing text, font, handwriting, calligraphy&#10;&#10;Description automatically generated">
+            <a:extLst>
+              <a:ext uri="{FF2B5EF4-FFF2-40B4-BE49-F238E27FC236}">
+                <a16:creationId xmlns:a16="http://schemas.microsoft.com/office/drawing/2014/main" id="{B7AEB6B9-CB80-F0D5-FB73-A3B90907AB7F}"/>
+              </a:ext>
+            </a:extLst>
+          </p:cNvPr>
+          <p:cNvPicPr>
+            <a:picLocks noChangeAspect="1"/>
+          </p:cNvPicPr>
+          <p:nvPr/>
+        </p:nvPicPr>
+        <p:blipFill>
+          <a:blip r:embed="rId2"/>
+          <a:stretch>
+            <a:fillRect/>
+          </a:stretch>
+        </p:blipFill>
+        <p:spPr>
+          <a:xfrm>
+            <a:off x="2390934" y="2310284"/>
+            <a:ext cx="5385599" cy="3561537"/>
+          </a:xfrm>
+          <a:prstGeom prst="rect">
+            <a:avLst/>
+          </a:prstGeom>
+        </p:spPr>
+      </p:pic>
+      <p:sp>
+        <p:nvSpPr>
+          <p:cNvPr id="8" name="TextBox 7">
+            <a:extLst>
+              <a:ext uri="{FF2B5EF4-FFF2-40B4-BE49-F238E27FC236}">
+                <a16:creationId xmlns:a16="http://schemas.microsoft.com/office/drawing/2014/main" id="{970D6F89-5D63-5C61-A16D-F62A482DBC18}"/>
+              </a:ext>
+            </a:extLst>
+          </p:cNvPr>
+          <p:cNvSpPr txBox="1"/>
+          <p:nvPr/>
+        </p:nvSpPr>
+        <p:spPr>
+          <a:xfrm>
+            <a:off x="2609937" y="1797782"/>
+            <a:ext cx="4947592" cy="369332"/>
+          </a:xfrm>
+          <a:prstGeom prst="rect">
+            <a:avLst/>
+          </a:prstGeom>
+          <a:noFill/>
+        </p:spPr>
+        <p:txBody>
+          <a:bodyPr wrap="square" rtlCol="0">
+            <a:spAutoFit/>
+          </a:bodyPr>
+          <a:lstStyle/>
+          <a:p>
+            <a:r>
+              <a:rPr lang="en-US" dirty="0"/>
+              <a:t>For Gibbs sampler: Sample posterior as below</a:t>
+            </a:r>
+          </a:p>
+        </p:txBody>
+      </p:sp>
+    </p:spTree>
+    <p:extLst>
+      <p:ext uri="{BB962C8B-B14F-4D97-AF65-F5344CB8AC3E}">
+        <p14:creationId xmlns:p14="http://schemas.microsoft.com/office/powerpoint/2010/main" val="2822596546"/>
+      </p:ext>
+    </p:extLst>
+  </p:cSld>
+  <p:clrMapOvr>
+    <a:masterClrMapping/>
+  </p:clrMapOvr>
+</p:sld>
+</file>
+
+<file path=ppt/slides/slide3.xml><?xml version="1.0" encoding="utf-8"?>
+<p:sld xmlns:a="http://schemas.openxmlformats.org/drawingml/2006/main" xmlns:r="http://schemas.openxmlformats.org/officeDocument/2006/relationships" xmlns:p="http://schemas.openxmlformats.org/presentationml/2006/main">
+  <p:cSld>
+    <p:spTree>
+      <p:nvGrpSpPr>
+        <p:cNvPr id="1" name=""/>
+        <p:cNvGrpSpPr/>
+        <p:nvPr/>
+      </p:nvGrpSpPr>
+      <p:grpSpPr>
+        <a:xfrm>
+          <a:off x="0" y="0"/>
+          <a:ext cx="0" cy="0"/>
+          <a:chOff x="0" y="0"/>
+          <a:chExt cx="0" cy="0"/>
+        </a:xfrm>
+      </p:grpSpPr>
+      <p:sp>
+        <p:nvSpPr>
+          <p:cNvPr id="3" name="Subtitle 2">
+            <a:extLst>
+              <a:ext uri="{FF2B5EF4-FFF2-40B4-BE49-F238E27FC236}">
+                <a16:creationId xmlns:a16="http://schemas.microsoft.com/office/drawing/2014/main" id="{E918B5D3-9672-9C6A-A8AE-A39B9FDF3B7B}"/>
+              </a:ext>
+            </a:extLst>
+          </p:cNvPr>
+          <p:cNvSpPr>
+            <a:spLocks noGrp="1"/>
+          </p:cNvSpPr>
+          <p:nvPr>
+            <p:ph type="subTitle" idx="1"/>
+          </p:nvPr>
+        </p:nvSpPr>
+        <p:spPr>
+          <a:xfrm>
             <a:off x="843776" y="825385"/>
             <a:ext cx="9144000" cy="457005"/>
           </a:xfrm>
@@ -3733,7 +3862,7 @@
 </p:sld>
 </file>
 
-<file path=ppt/slides/slide3.xml><?xml version="1.0" encoding="utf-8"?>
+<file path=ppt/slides/slide4.xml><?xml version="1.0" encoding="utf-8"?>
 <p:sld xmlns:a="http://schemas.openxmlformats.org/drawingml/2006/main" xmlns:r="http://schemas.openxmlformats.org/officeDocument/2006/relationships" xmlns:p="http://schemas.openxmlformats.org/presentationml/2006/main">
   <p:cSld>
     <p:spTree>
@@ -3828,7 +3957,7 @@
 </p:sld>
 </file>
 
-<file path=ppt/slides/slide4.xml><?xml version="1.0" encoding="utf-8"?>
+<file path=ppt/slides/slide5.xml><?xml version="1.0" encoding="utf-8"?>
 <p:sld xmlns:a="http://schemas.openxmlformats.org/drawingml/2006/main" xmlns:r="http://schemas.openxmlformats.org/officeDocument/2006/relationships" xmlns:p="http://schemas.openxmlformats.org/presentationml/2006/main">
   <p:cSld>
     <p:spTree>
@@ -3923,7 +4052,7 @@
 </p:sld>
 </file>
 
-<file path=ppt/slides/slide5.xml><?xml version="1.0" encoding="utf-8"?>
+<file path=ppt/slides/slide6.xml><?xml version="1.0" encoding="utf-8"?>
 <p:sld xmlns:a="http://schemas.openxmlformats.org/drawingml/2006/main" xmlns:r="http://schemas.openxmlformats.org/officeDocument/2006/relationships" xmlns:p="http://schemas.openxmlformats.org/presentationml/2006/main">
   <p:cSld>
     <p:spTree>
@@ -4018,7 +4147,7 @@
 </p:sld>
 </file>
 
-<file path=ppt/slides/slide6.xml><?xml version="1.0" encoding="utf-8"?>
+<file path=ppt/slides/slide7.xml><?xml version="1.0" encoding="utf-8"?>
 <p:sld xmlns:a="http://schemas.openxmlformats.org/drawingml/2006/main" xmlns:r="http://schemas.openxmlformats.org/officeDocument/2006/relationships" xmlns:p="http://schemas.openxmlformats.org/presentationml/2006/main">
   <p:cSld>
     <p:spTree>
@@ -4113,7 +4242,7 @@
 </p:sld>
 </file>
 
-<file path=ppt/slides/slide7.xml><?xml version="1.0" encoding="utf-8"?>
+<file path=ppt/slides/slide8.xml><?xml version="1.0" encoding="utf-8"?>
 <p:sld xmlns:a="http://schemas.openxmlformats.org/drawingml/2006/main" xmlns:r="http://schemas.openxmlformats.org/officeDocument/2006/relationships" xmlns:p="http://schemas.openxmlformats.org/presentationml/2006/main">
   <p:cSld>
     <p:spTree>
